--- a/imgs/automl.pptx
+++ b/imgs/automl.pptx
@@ -2,12 +2,12 @@
 <file path=ppt/presentation.xml><?xml version="1.0" encoding="utf-8"?>
 <p:presentation xmlns:a="http://schemas.openxmlformats.org/drawingml/2006/main" xmlns:r="http://schemas.openxmlformats.org/officeDocument/2006/relationships" xmlns:p="http://schemas.openxmlformats.org/presentationml/2006/main" saveSubsetFonts="1">
   <p:sldMasterIdLst>
-    <p:sldMasterId id="2147483720" r:id="rId1"/>
+    <p:sldMasterId id="2147483756" r:id="rId1"/>
   </p:sldMasterIdLst>
   <p:sldIdLst>
     <p:sldId id="256" r:id="rId2"/>
   </p:sldIdLst>
-  <p:sldSz cx="12526963" cy="3200400"/>
+  <p:sldSz cx="10698163" cy="1920875"/>
   <p:notesSz cx="6858000" cy="9144000"/>
   <p:defaultTextStyle>
     <a:defPPr>
@@ -141,15 +141,15 @@
         </p:nvSpPr>
         <p:spPr>
           <a:xfrm>
-            <a:off x="1565871" y="523770"/>
-            <a:ext cx="9395222" cy="1114213"/>
+            <a:off x="1337271" y="314366"/>
+            <a:ext cx="8023622" cy="668749"/>
           </a:xfrm>
         </p:spPr>
         <p:txBody>
           <a:bodyPr anchor="b"/>
           <a:lstStyle>
             <a:lvl1pPr algn="ctr">
-              <a:defRPr sz="2800"/>
+              <a:defRPr sz="1681"/>
             </a:lvl1pPr>
           </a:lstStyle>
           <a:p>
@@ -173,8 +173,8 @@
         </p:nvSpPr>
         <p:spPr>
           <a:xfrm>
-            <a:off x="1565871" y="1680951"/>
-            <a:ext cx="9395222" cy="772689"/>
+            <a:off x="1337271" y="1008904"/>
+            <a:ext cx="8023622" cy="463767"/>
           </a:xfrm>
         </p:spPr>
         <p:txBody>
@@ -182,39 +182,39 @@
           <a:lstStyle>
             <a:lvl1pPr marL="0" indent="0" algn="ctr">
               <a:buNone/>
-              <a:defRPr sz="1120"/>
+              <a:defRPr sz="672"/>
             </a:lvl1pPr>
-            <a:lvl2pPr marL="213375" indent="0" algn="ctr">
-              <a:buNone/>
-              <a:defRPr sz="933"/>
+            <a:lvl2pPr marL="128062" indent="0" algn="ctr">
+              <a:buNone/>
+              <a:defRPr sz="560"/>
             </a:lvl2pPr>
-            <a:lvl3pPr marL="426750" indent="0" algn="ctr">
-              <a:buNone/>
-              <a:defRPr sz="840"/>
+            <a:lvl3pPr marL="256123" indent="0" algn="ctr">
+              <a:buNone/>
+              <a:defRPr sz="504"/>
             </a:lvl3pPr>
-            <a:lvl4pPr marL="640126" indent="0" algn="ctr">
-              <a:buNone/>
-              <a:defRPr sz="747"/>
+            <a:lvl4pPr marL="384185" indent="0" algn="ctr">
+              <a:buNone/>
+              <a:defRPr sz="448"/>
             </a:lvl4pPr>
-            <a:lvl5pPr marL="853501" indent="0" algn="ctr">
-              <a:buNone/>
-              <a:defRPr sz="747"/>
+            <a:lvl5pPr marL="512247" indent="0" algn="ctr">
+              <a:buNone/>
+              <a:defRPr sz="448"/>
             </a:lvl5pPr>
-            <a:lvl6pPr marL="1066876" indent="0" algn="ctr">
-              <a:buNone/>
-              <a:defRPr sz="747"/>
+            <a:lvl6pPr marL="640309" indent="0" algn="ctr">
+              <a:buNone/>
+              <a:defRPr sz="448"/>
             </a:lvl6pPr>
-            <a:lvl7pPr marL="1280251" indent="0" algn="ctr">
-              <a:buNone/>
-              <a:defRPr sz="747"/>
+            <a:lvl7pPr marL="768370" indent="0" algn="ctr">
+              <a:buNone/>
+              <a:defRPr sz="448"/>
             </a:lvl7pPr>
-            <a:lvl8pPr marL="1493627" indent="0" algn="ctr">
-              <a:buNone/>
-              <a:defRPr sz="747"/>
+            <a:lvl8pPr marL="896432" indent="0" algn="ctr">
+              <a:buNone/>
+              <a:defRPr sz="448"/>
             </a:lvl8pPr>
-            <a:lvl9pPr marL="1707002" indent="0" algn="ctr">
-              <a:buNone/>
-              <a:defRPr sz="747"/>
+            <a:lvl9pPr marL="1024494" indent="0" algn="ctr">
+              <a:buNone/>
+              <a:defRPr sz="448"/>
             </a:lvl9pPr>
           </a:lstStyle>
           <a:p>
@@ -294,7 +294,7 @@
     </p:spTree>
     <p:extLst>
       <p:ext uri="{BB962C8B-B14F-4D97-AF65-F5344CB8AC3E}">
-        <p14:creationId xmlns:p14="http://schemas.microsoft.com/office/powerpoint/2010/main" val="760176676"/>
+        <p14:creationId xmlns:p14="http://schemas.microsoft.com/office/powerpoint/2010/main" val="3239186915"/>
       </p:ext>
     </p:extLst>
   </p:cSld>
@@ -464,7 +464,7 @@
     </p:spTree>
     <p:extLst>
       <p:ext uri="{BB962C8B-B14F-4D97-AF65-F5344CB8AC3E}">
-        <p14:creationId xmlns:p14="http://schemas.microsoft.com/office/powerpoint/2010/main" val="1053194335"/>
+        <p14:creationId xmlns:p14="http://schemas.microsoft.com/office/powerpoint/2010/main" val="3385706431"/>
       </p:ext>
     </p:extLst>
   </p:cSld>
@@ -503,8 +503,8 @@
         </p:nvSpPr>
         <p:spPr>
           <a:xfrm>
-            <a:off x="8964608" y="170392"/>
-            <a:ext cx="2701126" cy="2712191"/>
+            <a:off x="7655873" y="102269"/>
+            <a:ext cx="2306791" cy="1627853"/>
           </a:xfrm>
         </p:spPr>
         <p:txBody>
@@ -531,8 +531,8 @@
         </p:nvSpPr>
         <p:spPr>
           <a:xfrm>
-            <a:off x="861229" y="170392"/>
-            <a:ext cx="7946792" cy="2712191"/>
+            <a:off x="735499" y="102269"/>
+            <a:ext cx="6786647" cy="1627853"/>
           </a:xfrm>
         </p:spPr>
         <p:txBody>
@@ -644,7 +644,7 @@
     </p:spTree>
     <p:extLst>
       <p:ext uri="{BB962C8B-B14F-4D97-AF65-F5344CB8AC3E}">
-        <p14:creationId xmlns:p14="http://schemas.microsoft.com/office/powerpoint/2010/main" val="3993317596"/>
+        <p14:creationId xmlns:p14="http://schemas.microsoft.com/office/powerpoint/2010/main" val="792825519"/>
       </p:ext>
     </p:extLst>
   </p:cSld>
@@ -814,7 +814,7 @@
     </p:spTree>
     <p:extLst>
       <p:ext uri="{BB962C8B-B14F-4D97-AF65-F5344CB8AC3E}">
-        <p14:creationId xmlns:p14="http://schemas.microsoft.com/office/powerpoint/2010/main" val="1441968546"/>
+        <p14:creationId xmlns:p14="http://schemas.microsoft.com/office/powerpoint/2010/main" val="1954148190"/>
       </p:ext>
     </p:extLst>
   </p:cSld>
@@ -853,15 +853,15 @@
         </p:nvSpPr>
         <p:spPr>
           <a:xfrm>
-            <a:off x="854704" y="797878"/>
-            <a:ext cx="10804506" cy="1331277"/>
+            <a:off x="729927" y="478885"/>
+            <a:ext cx="9227166" cy="799031"/>
           </a:xfrm>
         </p:spPr>
         <p:txBody>
           <a:bodyPr anchor="b"/>
           <a:lstStyle>
             <a:lvl1pPr>
-              <a:defRPr sz="2800"/>
+              <a:defRPr sz="1681"/>
             </a:lvl1pPr>
           </a:lstStyle>
           <a:p>
@@ -885,8 +885,8 @@
         </p:nvSpPr>
         <p:spPr>
           <a:xfrm>
-            <a:off x="854704" y="2141750"/>
-            <a:ext cx="10804506" cy="700087"/>
+            <a:off x="729927" y="1285475"/>
+            <a:ext cx="9227166" cy="420191"/>
           </a:xfrm>
         </p:spPr>
         <p:txBody>
@@ -894,7 +894,7 @@
           <a:lstStyle>
             <a:lvl1pPr marL="0" indent="0">
               <a:buNone/>
-              <a:defRPr sz="1120">
+              <a:defRPr sz="672">
                 <a:solidFill>
                   <a:schemeClr val="tx1">
                     <a:tint val="75000"/>
@@ -902,9 +902,9 @@
                 </a:solidFill>
               </a:defRPr>
             </a:lvl1pPr>
-            <a:lvl2pPr marL="213375" indent="0">
-              <a:buNone/>
-              <a:defRPr sz="933">
+            <a:lvl2pPr marL="128062" indent="0">
+              <a:buNone/>
+              <a:defRPr sz="560">
                 <a:solidFill>
                   <a:schemeClr val="tx1">
                     <a:tint val="75000"/>
@@ -912,9 +912,9 @@
                 </a:solidFill>
               </a:defRPr>
             </a:lvl2pPr>
-            <a:lvl3pPr marL="426750" indent="0">
-              <a:buNone/>
-              <a:defRPr sz="840">
+            <a:lvl3pPr marL="256123" indent="0">
+              <a:buNone/>
+              <a:defRPr sz="504">
                 <a:solidFill>
                   <a:schemeClr val="tx1">
                     <a:tint val="75000"/>
@@ -922,9 +922,9 @@
                 </a:solidFill>
               </a:defRPr>
             </a:lvl3pPr>
-            <a:lvl4pPr marL="640126" indent="0">
-              <a:buNone/>
-              <a:defRPr sz="747">
+            <a:lvl4pPr marL="384185" indent="0">
+              <a:buNone/>
+              <a:defRPr sz="448">
                 <a:solidFill>
                   <a:schemeClr val="tx1">
                     <a:tint val="75000"/>
@@ -932,9 +932,9 @@
                 </a:solidFill>
               </a:defRPr>
             </a:lvl4pPr>
-            <a:lvl5pPr marL="853501" indent="0">
-              <a:buNone/>
-              <a:defRPr sz="747">
+            <a:lvl5pPr marL="512247" indent="0">
+              <a:buNone/>
+              <a:defRPr sz="448">
                 <a:solidFill>
                   <a:schemeClr val="tx1">
                     <a:tint val="75000"/>
@@ -942,9 +942,9 @@
                 </a:solidFill>
               </a:defRPr>
             </a:lvl5pPr>
-            <a:lvl6pPr marL="1066876" indent="0">
-              <a:buNone/>
-              <a:defRPr sz="747">
+            <a:lvl6pPr marL="640309" indent="0">
+              <a:buNone/>
+              <a:defRPr sz="448">
                 <a:solidFill>
                   <a:schemeClr val="tx1">
                     <a:tint val="75000"/>
@@ -952,9 +952,9 @@
                 </a:solidFill>
               </a:defRPr>
             </a:lvl6pPr>
-            <a:lvl7pPr marL="1280251" indent="0">
-              <a:buNone/>
-              <a:defRPr sz="747">
+            <a:lvl7pPr marL="768370" indent="0">
+              <a:buNone/>
+              <a:defRPr sz="448">
                 <a:solidFill>
                   <a:schemeClr val="tx1">
                     <a:tint val="75000"/>
@@ -962,9 +962,9 @@
                 </a:solidFill>
               </a:defRPr>
             </a:lvl7pPr>
-            <a:lvl8pPr marL="1493627" indent="0">
-              <a:buNone/>
-              <a:defRPr sz="747">
+            <a:lvl8pPr marL="896432" indent="0">
+              <a:buNone/>
+              <a:defRPr sz="448">
                 <a:solidFill>
                   <a:schemeClr val="tx1">
                     <a:tint val="75000"/>
@@ -972,9 +972,9 @@
                 </a:solidFill>
               </a:defRPr>
             </a:lvl8pPr>
-            <a:lvl9pPr marL="1707002" indent="0">
-              <a:buNone/>
-              <a:defRPr sz="747">
+            <a:lvl9pPr marL="1024494" indent="0">
+              <a:buNone/>
+              <a:defRPr sz="448">
                 <a:solidFill>
                   <a:schemeClr val="tx1">
                     <a:tint val="75000"/>
@@ -1060,7 +1060,7 @@
     </p:spTree>
     <p:extLst>
       <p:ext uri="{BB962C8B-B14F-4D97-AF65-F5344CB8AC3E}">
-        <p14:creationId xmlns:p14="http://schemas.microsoft.com/office/powerpoint/2010/main" val="4230050191"/>
+        <p14:creationId xmlns:p14="http://schemas.microsoft.com/office/powerpoint/2010/main" val="1542653827"/>
       </p:ext>
     </p:extLst>
   </p:cSld>
@@ -1122,8 +1122,8 @@
         </p:nvSpPr>
         <p:spPr>
           <a:xfrm>
-            <a:off x="861229" y="851959"/>
-            <a:ext cx="5323959" cy="2030624"/>
+            <a:off x="735499" y="511344"/>
+            <a:ext cx="4546719" cy="1218778"/>
           </a:xfrm>
         </p:spPr>
         <p:txBody>
@@ -1179,8 +1179,8 @@
         </p:nvSpPr>
         <p:spPr>
           <a:xfrm>
-            <a:off x="6341775" y="851959"/>
-            <a:ext cx="5323959" cy="2030624"/>
+            <a:off x="5415945" y="511344"/>
+            <a:ext cx="4546719" cy="1218778"/>
           </a:xfrm>
         </p:spPr>
         <p:txBody>
@@ -1292,7 +1292,7 @@
     </p:spTree>
     <p:extLst>
       <p:ext uri="{BB962C8B-B14F-4D97-AF65-F5344CB8AC3E}">
-        <p14:creationId xmlns:p14="http://schemas.microsoft.com/office/powerpoint/2010/main" val="4070582133"/>
+        <p14:creationId xmlns:p14="http://schemas.microsoft.com/office/powerpoint/2010/main" val="2145641661"/>
       </p:ext>
     </p:extLst>
   </p:cSld>
@@ -1331,8 +1331,8 @@
         </p:nvSpPr>
         <p:spPr>
           <a:xfrm>
-            <a:off x="862860" y="170392"/>
-            <a:ext cx="10804506" cy="618596"/>
+            <a:off x="736892" y="102269"/>
+            <a:ext cx="9227166" cy="371280"/>
           </a:xfrm>
         </p:spPr>
         <p:txBody>
@@ -1359,8 +1359,8 @@
         </p:nvSpPr>
         <p:spPr>
           <a:xfrm>
-            <a:off x="862861" y="784543"/>
-            <a:ext cx="5299492" cy="384492"/>
+            <a:off x="736893" y="470881"/>
+            <a:ext cx="4525824" cy="230772"/>
           </a:xfrm>
         </p:spPr>
         <p:txBody>
@@ -1368,39 +1368,39 @@
           <a:lstStyle>
             <a:lvl1pPr marL="0" indent="0">
               <a:buNone/>
-              <a:defRPr sz="1120" b="1"/>
+              <a:defRPr sz="672" b="1"/>
             </a:lvl1pPr>
-            <a:lvl2pPr marL="213375" indent="0">
-              <a:buNone/>
-              <a:defRPr sz="933" b="1"/>
+            <a:lvl2pPr marL="128062" indent="0">
+              <a:buNone/>
+              <a:defRPr sz="560" b="1"/>
             </a:lvl2pPr>
-            <a:lvl3pPr marL="426750" indent="0">
-              <a:buNone/>
-              <a:defRPr sz="840" b="1"/>
+            <a:lvl3pPr marL="256123" indent="0">
+              <a:buNone/>
+              <a:defRPr sz="504" b="1"/>
             </a:lvl3pPr>
-            <a:lvl4pPr marL="640126" indent="0">
-              <a:buNone/>
-              <a:defRPr sz="747" b="1"/>
+            <a:lvl4pPr marL="384185" indent="0">
+              <a:buNone/>
+              <a:defRPr sz="448" b="1"/>
             </a:lvl4pPr>
-            <a:lvl5pPr marL="853501" indent="0">
-              <a:buNone/>
-              <a:defRPr sz="747" b="1"/>
+            <a:lvl5pPr marL="512247" indent="0">
+              <a:buNone/>
+              <a:defRPr sz="448" b="1"/>
             </a:lvl5pPr>
-            <a:lvl6pPr marL="1066876" indent="0">
-              <a:buNone/>
-              <a:defRPr sz="747" b="1"/>
+            <a:lvl6pPr marL="640309" indent="0">
+              <a:buNone/>
+              <a:defRPr sz="448" b="1"/>
             </a:lvl6pPr>
-            <a:lvl7pPr marL="1280251" indent="0">
-              <a:buNone/>
-              <a:defRPr sz="747" b="1"/>
+            <a:lvl7pPr marL="768370" indent="0">
+              <a:buNone/>
+              <a:defRPr sz="448" b="1"/>
             </a:lvl7pPr>
-            <a:lvl8pPr marL="1493627" indent="0">
-              <a:buNone/>
-              <a:defRPr sz="747" b="1"/>
+            <a:lvl8pPr marL="896432" indent="0">
+              <a:buNone/>
+              <a:defRPr sz="448" b="1"/>
             </a:lvl8pPr>
-            <a:lvl9pPr marL="1707002" indent="0">
-              <a:buNone/>
-              <a:defRPr sz="747" b="1"/>
+            <a:lvl9pPr marL="1024494" indent="0">
+              <a:buNone/>
+              <a:defRPr sz="448" b="1"/>
             </a:lvl9pPr>
           </a:lstStyle>
           <a:p>
@@ -1424,8 +1424,8 @@
         </p:nvSpPr>
         <p:spPr>
           <a:xfrm>
-            <a:off x="862861" y="1169035"/>
-            <a:ext cx="5299492" cy="1719474"/>
+            <a:off x="736893" y="701653"/>
+            <a:ext cx="4525824" cy="1032026"/>
           </a:xfrm>
         </p:spPr>
         <p:txBody>
@@ -1481,8 +1481,8 @@
         </p:nvSpPr>
         <p:spPr>
           <a:xfrm>
-            <a:off x="6341775" y="784543"/>
-            <a:ext cx="5325591" cy="384492"/>
+            <a:off x="5415945" y="470881"/>
+            <a:ext cx="4548113" cy="230772"/>
           </a:xfrm>
         </p:spPr>
         <p:txBody>
@@ -1490,39 +1490,39 @@
           <a:lstStyle>
             <a:lvl1pPr marL="0" indent="0">
               <a:buNone/>
-              <a:defRPr sz="1120" b="1"/>
+              <a:defRPr sz="672" b="1"/>
             </a:lvl1pPr>
-            <a:lvl2pPr marL="213375" indent="0">
-              <a:buNone/>
-              <a:defRPr sz="933" b="1"/>
+            <a:lvl2pPr marL="128062" indent="0">
+              <a:buNone/>
+              <a:defRPr sz="560" b="1"/>
             </a:lvl2pPr>
-            <a:lvl3pPr marL="426750" indent="0">
-              <a:buNone/>
-              <a:defRPr sz="840" b="1"/>
+            <a:lvl3pPr marL="256123" indent="0">
+              <a:buNone/>
+              <a:defRPr sz="504" b="1"/>
             </a:lvl3pPr>
-            <a:lvl4pPr marL="640126" indent="0">
-              <a:buNone/>
-              <a:defRPr sz="747" b="1"/>
+            <a:lvl4pPr marL="384185" indent="0">
+              <a:buNone/>
+              <a:defRPr sz="448" b="1"/>
             </a:lvl4pPr>
-            <a:lvl5pPr marL="853501" indent="0">
-              <a:buNone/>
-              <a:defRPr sz="747" b="1"/>
+            <a:lvl5pPr marL="512247" indent="0">
+              <a:buNone/>
+              <a:defRPr sz="448" b="1"/>
             </a:lvl5pPr>
-            <a:lvl6pPr marL="1066876" indent="0">
-              <a:buNone/>
-              <a:defRPr sz="747" b="1"/>
+            <a:lvl6pPr marL="640309" indent="0">
+              <a:buNone/>
+              <a:defRPr sz="448" b="1"/>
             </a:lvl6pPr>
-            <a:lvl7pPr marL="1280251" indent="0">
-              <a:buNone/>
-              <a:defRPr sz="747" b="1"/>
+            <a:lvl7pPr marL="768370" indent="0">
+              <a:buNone/>
+              <a:defRPr sz="448" b="1"/>
             </a:lvl7pPr>
-            <a:lvl8pPr marL="1493627" indent="0">
-              <a:buNone/>
-              <a:defRPr sz="747" b="1"/>
+            <a:lvl8pPr marL="896432" indent="0">
+              <a:buNone/>
+              <a:defRPr sz="448" b="1"/>
             </a:lvl8pPr>
-            <a:lvl9pPr marL="1707002" indent="0">
-              <a:buNone/>
-              <a:defRPr sz="747" b="1"/>
+            <a:lvl9pPr marL="1024494" indent="0">
+              <a:buNone/>
+              <a:defRPr sz="448" b="1"/>
             </a:lvl9pPr>
           </a:lstStyle>
           <a:p>
@@ -1546,8 +1546,8 @@
         </p:nvSpPr>
         <p:spPr>
           <a:xfrm>
-            <a:off x="6341775" y="1169035"/>
-            <a:ext cx="5325591" cy="1719474"/>
+            <a:off x="5415945" y="701653"/>
+            <a:ext cx="4548113" cy="1032026"/>
           </a:xfrm>
         </p:spPr>
         <p:txBody>
@@ -1659,7 +1659,7 @@
     </p:spTree>
     <p:extLst>
       <p:ext uri="{BB962C8B-B14F-4D97-AF65-F5344CB8AC3E}">
-        <p14:creationId xmlns:p14="http://schemas.microsoft.com/office/powerpoint/2010/main" val="1391599983"/>
+        <p14:creationId xmlns:p14="http://schemas.microsoft.com/office/powerpoint/2010/main" val="1698425184"/>
       </p:ext>
     </p:extLst>
   </p:cSld>
@@ -1777,7 +1777,7 @@
     </p:spTree>
     <p:extLst>
       <p:ext uri="{BB962C8B-B14F-4D97-AF65-F5344CB8AC3E}">
-        <p14:creationId xmlns:p14="http://schemas.microsoft.com/office/powerpoint/2010/main" val="4038532185"/>
+        <p14:creationId xmlns:p14="http://schemas.microsoft.com/office/powerpoint/2010/main" val="2686579437"/>
       </p:ext>
     </p:extLst>
   </p:cSld>
@@ -1872,7 +1872,7 @@
     </p:spTree>
     <p:extLst>
       <p:ext uri="{BB962C8B-B14F-4D97-AF65-F5344CB8AC3E}">
-        <p14:creationId xmlns:p14="http://schemas.microsoft.com/office/powerpoint/2010/main" val="3110611622"/>
+        <p14:creationId xmlns:p14="http://schemas.microsoft.com/office/powerpoint/2010/main" val="891492945"/>
       </p:ext>
     </p:extLst>
   </p:cSld>
@@ -1911,15 +1911,15 @@
         </p:nvSpPr>
         <p:spPr>
           <a:xfrm>
-            <a:off x="862861" y="213360"/>
-            <a:ext cx="4040271" cy="746760"/>
+            <a:off x="736892" y="128058"/>
+            <a:ext cx="3450436" cy="448204"/>
           </a:xfrm>
         </p:spPr>
         <p:txBody>
           <a:bodyPr anchor="b"/>
           <a:lstStyle>
             <a:lvl1pPr>
-              <a:defRPr sz="1493"/>
+              <a:defRPr sz="896"/>
             </a:lvl1pPr>
           </a:lstStyle>
           <a:p>
@@ -1943,39 +1943,39 @@
         </p:nvSpPr>
         <p:spPr>
           <a:xfrm>
-            <a:off x="5325591" y="460799"/>
-            <a:ext cx="6341775" cy="2274358"/>
+            <a:off x="4548113" y="276571"/>
+            <a:ext cx="5415945" cy="1365066"/>
           </a:xfrm>
         </p:spPr>
         <p:txBody>
           <a:bodyPr/>
           <a:lstStyle>
             <a:lvl1pPr>
-              <a:defRPr sz="1493"/>
+              <a:defRPr sz="896"/>
             </a:lvl1pPr>
             <a:lvl2pPr>
-              <a:defRPr sz="1307"/>
+              <a:defRPr sz="784"/>
             </a:lvl2pPr>
             <a:lvl3pPr>
-              <a:defRPr sz="1120"/>
+              <a:defRPr sz="672"/>
             </a:lvl3pPr>
             <a:lvl4pPr>
-              <a:defRPr sz="933"/>
+              <a:defRPr sz="560"/>
             </a:lvl4pPr>
             <a:lvl5pPr>
-              <a:defRPr sz="933"/>
+              <a:defRPr sz="560"/>
             </a:lvl5pPr>
             <a:lvl6pPr>
-              <a:defRPr sz="933"/>
+              <a:defRPr sz="560"/>
             </a:lvl6pPr>
             <a:lvl7pPr>
-              <a:defRPr sz="933"/>
+              <a:defRPr sz="560"/>
             </a:lvl7pPr>
             <a:lvl8pPr>
-              <a:defRPr sz="933"/>
+              <a:defRPr sz="560"/>
             </a:lvl8pPr>
             <a:lvl9pPr>
-              <a:defRPr sz="933"/>
+              <a:defRPr sz="560"/>
             </a:lvl9pPr>
           </a:lstStyle>
           <a:p>
@@ -2028,8 +2028,8 @@
         </p:nvSpPr>
         <p:spPr>
           <a:xfrm>
-            <a:off x="862861" y="960120"/>
-            <a:ext cx="4040271" cy="1778741"/>
+            <a:off x="736892" y="576262"/>
+            <a:ext cx="3450436" cy="1067598"/>
           </a:xfrm>
         </p:spPr>
         <p:txBody>
@@ -2037,39 +2037,39 @@
           <a:lstStyle>
             <a:lvl1pPr marL="0" indent="0">
               <a:buNone/>
-              <a:defRPr sz="747"/>
+              <a:defRPr sz="448"/>
             </a:lvl1pPr>
-            <a:lvl2pPr marL="213375" indent="0">
-              <a:buNone/>
-              <a:defRPr sz="653"/>
+            <a:lvl2pPr marL="128062" indent="0">
+              <a:buNone/>
+              <a:defRPr sz="392"/>
             </a:lvl2pPr>
-            <a:lvl3pPr marL="426750" indent="0">
-              <a:buNone/>
-              <a:defRPr sz="560"/>
+            <a:lvl3pPr marL="256123" indent="0">
+              <a:buNone/>
+              <a:defRPr sz="336"/>
             </a:lvl3pPr>
-            <a:lvl4pPr marL="640126" indent="0">
-              <a:buNone/>
-              <a:defRPr sz="467"/>
+            <a:lvl4pPr marL="384185" indent="0">
+              <a:buNone/>
+              <a:defRPr sz="280"/>
             </a:lvl4pPr>
-            <a:lvl5pPr marL="853501" indent="0">
-              <a:buNone/>
-              <a:defRPr sz="467"/>
+            <a:lvl5pPr marL="512247" indent="0">
+              <a:buNone/>
+              <a:defRPr sz="280"/>
             </a:lvl5pPr>
-            <a:lvl6pPr marL="1066876" indent="0">
-              <a:buNone/>
-              <a:defRPr sz="467"/>
+            <a:lvl6pPr marL="640309" indent="0">
+              <a:buNone/>
+              <a:defRPr sz="280"/>
             </a:lvl6pPr>
-            <a:lvl7pPr marL="1280251" indent="0">
-              <a:buNone/>
-              <a:defRPr sz="467"/>
+            <a:lvl7pPr marL="768370" indent="0">
+              <a:buNone/>
+              <a:defRPr sz="280"/>
             </a:lvl7pPr>
-            <a:lvl8pPr marL="1493627" indent="0">
-              <a:buNone/>
-              <a:defRPr sz="467"/>
+            <a:lvl8pPr marL="896432" indent="0">
+              <a:buNone/>
+              <a:defRPr sz="280"/>
             </a:lvl8pPr>
-            <a:lvl9pPr marL="1707002" indent="0">
-              <a:buNone/>
-              <a:defRPr sz="467"/>
+            <a:lvl9pPr marL="1024494" indent="0">
+              <a:buNone/>
+              <a:defRPr sz="280"/>
             </a:lvl9pPr>
           </a:lstStyle>
           <a:p>
@@ -2149,7 +2149,7 @@
     </p:spTree>
     <p:extLst>
       <p:ext uri="{BB962C8B-B14F-4D97-AF65-F5344CB8AC3E}">
-        <p14:creationId xmlns:p14="http://schemas.microsoft.com/office/powerpoint/2010/main" val="4178300957"/>
+        <p14:creationId xmlns:p14="http://schemas.microsoft.com/office/powerpoint/2010/main" val="1757205576"/>
       </p:ext>
     </p:extLst>
   </p:cSld>
@@ -2188,15 +2188,15 @@
         </p:nvSpPr>
         <p:spPr>
           <a:xfrm>
-            <a:off x="862861" y="213360"/>
-            <a:ext cx="4040271" cy="746760"/>
+            <a:off x="736892" y="128058"/>
+            <a:ext cx="3450436" cy="448204"/>
           </a:xfrm>
         </p:spPr>
         <p:txBody>
           <a:bodyPr anchor="b"/>
           <a:lstStyle>
             <a:lvl1pPr>
-              <a:defRPr sz="1493"/>
+              <a:defRPr sz="896"/>
             </a:lvl1pPr>
           </a:lstStyle>
           <a:p>
@@ -2220,8 +2220,8 @@
         </p:nvSpPr>
         <p:spPr>
           <a:xfrm>
-            <a:off x="5325591" y="460799"/>
-            <a:ext cx="6341775" cy="2274358"/>
+            <a:off x="4548113" y="276571"/>
+            <a:ext cx="5415945" cy="1365066"/>
           </a:xfrm>
         </p:spPr>
         <p:txBody>
@@ -2229,39 +2229,39 @@
           <a:lstStyle>
             <a:lvl1pPr marL="0" indent="0">
               <a:buNone/>
-              <a:defRPr sz="1493"/>
+              <a:defRPr sz="896"/>
             </a:lvl1pPr>
-            <a:lvl2pPr marL="213375" indent="0">
-              <a:buNone/>
-              <a:defRPr sz="1307"/>
+            <a:lvl2pPr marL="128062" indent="0">
+              <a:buNone/>
+              <a:defRPr sz="784"/>
             </a:lvl2pPr>
-            <a:lvl3pPr marL="426750" indent="0">
-              <a:buNone/>
-              <a:defRPr sz="1120"/>
+            <a:lvl3pPr marL="256123" indent="0">
+              <a:buNone/>
+              <a:defRPr sz="672"/>
             </a:lvl3pPr>
-            <a:lvl4pPr marL="640126" indent="0">
-              <a:buNone/>
-              <a:defRPr sz="933"/>
+            <a:lvl4pPr marL="384185" indent="0">
+              <a:buNone/>
+              <a:defRPr sz="560"/>
             </a:lvl4pPr>
-            <a:lvl5pPr marL="853501" indent="0">
-              <a:buNone/>
-              <a:defRPr sz="933"/>
+            <a:lvl5pPr marL="512247" indent="0">
+              <a:buNone/>
+              <a:defRPr sz="560"/>
             </a:lvl5pPr>
-            <a:lvl6pPr marL="1066876" indent="0">
-              <a:buNone/>
-              <a:defRPr sz="933"/>
+            <a:lvl6pPr marL="640309" indent="0">
+              <a:buNone/>
+              <a:defRPr sz="560"/>
             </a:lvl6pPr>
-            <a:lvl7pPr marL="1280251" indent="0">
-              <a:buNone/>
-              <a:defRPr sz="933"/>
+            <a:lvl7pPr marL="768370" indent="0">
+              <a:buNone/>
+              <a:defRPr sz="560"/>
             </a:lvl7pPr>
-            <a:lvl8pPr marL="1493627" indent="0">
-              <a:buNone/>
-              <a:defRPr sz="933"/>
+            <a:lvl8pPr marL="896432" indent="0">
+              <a:buNone/>
+              <a:defRPr sz="560"/>
             </a:lvl8pPr>
-            <a:lvl9pPr marL="1707002" indent="0">
-              <a:buNone/>
-              <a:defRPr sz="933"/>
+            <a:lvl9pPr marL="1024494" indent="0">
+              <a:buNone/>
+              <a:defRPr sz="560"/>
             </a:lvl9pPr>
           </a:lstStyle>
           <a:p>
@@ -2285,8 +2285,8 @@
         </p:nvSpPr>
         <p:spPr>
           <a:xfrm>
-            <a:off x="862861" y="960120"/>
-            <a:ext cx="4040271" cy="1778741"/>
+            <a:off x="736892" y="576262"/>
+            <a:ext cx="3450436" cy="1067598"/>
           </a:xfrm>
         </p:spPr>
         <p:txBody>
@@ -2294,39 +2294,39 @@
           <a:lstStyle>
             <a:lvl1pPr marL="0" indent="0">
               <a:buNone/>
-              <a:defRPr sz="747"/>
+              <a:defRPr sz="448"/>
             </a:lvl1pPr>
-            <a:lvl2pPr marL="213375" indent="0">
-              <a:buNone/>
-              <a:defRPr sz="653"/>
+            <a:lvl2pPr marL="128062" indent="0">
+              <a:buNone/>
+              <a:defRPr sz="392"/>
             </a:lvl2pPr>
-            <a:lvl3pPr marL="426750" indent="0">
-              <a:buNone/>
-              <a:defRPr sz="560"/>
+            <a:lvl3pPr marL="256123" indent="0">
+              <a:buNone/>
+              <a:defRPr sz="336"/>
             </a:lvl3pPr>
-            <a:lvl4pPr marL="640126" indent="0">
-              <a:buNone/>
-              <a:defRPr sz="467"/>
+            <a:lvl4pPr marL="384185" indent="0">
+              <a:buNone/>
+              <a:defRPr sz="280"/>
             </a:lvl4pPr>
-            <a:lvl5pPr marL="853501" indent="0">
-              <a:buNone/>
-              <a:defRPr sz="467"/>
+            <a:lvl5pPr marL="512247" indent="0">
+              <a:buNone/>
+              <a:defRPr sz="280"/>
             </a:lvl5pPr>
-            <a:lvl6pPr marL="1066876" indent="0">
-              <a:buNone/>
-              <a:defRPr sz="467"/>
+            <a:lvl6pPr marL="640309" indent="0">
+              <a:buNone/>
+              <a:defRPr sz="280"/>
             </a:lvl6pPr>
-            <a:lvl7pPr marL="1280251" indent="0">
-              <a:buNone/>
-              <a:defRPr sz="467"/>
+            <a:lvl7pPr marL="768370" indent="0">
+              <a:buNone/>
+              <a:defRPr sz="280"/>
             </a:lvl7pPr>
-            <a:lvl8pPr marL="1493627" indent="0">
-              <a:buNone/>
-              <a:defRPr sz="467"/>
+            <a:lvl8pPr marL="896432" indent="0">
+              <a:buNone/>
+              <a:defRPr sz="280"/>
             </a:lvl8pPr>
-            <a:lvl9pPr marL="1707002" indent="0">
-              <a:buNone/>
-              <a:defRPr sz="467"/>
+            <a:lvl9pPr marL="1024494" indent="0">
+              <a:buNone/>
+              <a:defRPr sz="280"/>
             </a:lvl9pPr>
           </a:lstStyle>
           <a:p>
@@ -2406,7 +2406,7 @@
     </p:spTree>
     <p:extLst>
       <p:ext uri="{BB962C8B-B14F-4D97-AF65-F5344CB8AC3E}">
-        <p14:creationId xmlns:p14="http://schemas.microsoft.com/office/powerpoint/2010/main" val="3455867889"/>
+        <p14:creationId xmlns:p14="http://schemas.microsoft.com/office/powerpoint/2010/main" val="2805619702"/>
       </p:ext>
     </p:extLst>
   </p:cSld>
@@ -2450,8 +2450,8 @@
         </p:nvSpPr>
         <p:spPr>
           <a:xfrm>
-            <a:off x="861229" y="170392"/>
-            <a:ext cx="10804506" cy="618596"/>
+            <a:off x="735499" y="102269"/>
+            <a:ext cx="9227166" cy="371280"/>
           </a:xfrm>
           <a:prstGeom prst="rect">
             <a:avLst/>
@@ -2483,8 +2483,8 @@
         </p:nvSpPr>
         <p:spPr>
           <a:xfrm>
-            <a:off x="861229" y="851959"/>
-            <a:ext cx="10804506" cy="2030624"/>
+            <a:off x="735499" y="511344"/>
+            <a:ext cx="9227166" cy="1218778"/>
           </a:xfrm>
           <a:prstGeom prst="rect">
             <a:avLst/>
@@ -2545,8 +2545,8 @@
         </p:nvSpPr>
         <p:spPr>
           <a:xfrm>
-            <a:off x="861229" y="2966297"/>
-            <a:ext cx="2818567" cy="170392"/>
+            <a:off x="735499" y="1780367"/>
+            <a:ext cx="2407087" cy="102269"/>
           </a:xfrm>
           <a:prstGeom prst="rect">
             <a:avLst/>
@@ -2556,7 +2556,7 @@
           <a:bodyPr vert="horz" lIns="91440" tIns="45720" rIns="91440" bIns="45720" rtlCol="0" anchor="ctr"/>
           <a:lstStyle>
             <a:lvl1pPr algn="l">
-              <a:defRPr sz="560">
+              <a:defRPr sz="336">
                 <a:solidFill>
                   <a:schemeClr val="tx1">
                     <a:tint val="75000"/>
@@ -2586,8 +2586,8 @@
         </p:nvSpPr>
         <p:spPr>
           <a:xfrm>
-            <a:off x="4149557" y="2966297"/>
-            <a:ext cx="4227850" cy="170392"/>
+            <a:off x="3543767" y="1780367"/>
+            <a:ext cx="3610630" cy="102269"/>
           </a:xfrm>
           <a:prstGeom prst="rect">
             <a:avLst/>
@@ -2597,7 +2597,7 @@
           <a:bodyPr vert="horz" lIns="91440" tIns="45720" rIns="91440" bIns="45720" rtlCol="0" anchor="ctr"/>
           <a:lstStyle>
             <a:lvl1pPr algn="ctr">
-              <a:defRPr sz="560">
+              <a:defRPr sz="336">
                 <a:solidFill>
                   <a:schemeClr val="tx1">
                     <a:tint val="75000"/>
@@ -2623,8 +2623,8 @@
         </p:nvSpPr>
         <p:spPr>
           <a:xfrm>
-            <a:off x="8847167" y="2966297"/>
-            <a:ext cx="2818567" cy="170392"/>
+            <a:off x="7555577" y="1780367"/>
+            <a:ext cx="2407087" cy="102269"/>
           </a:xfrm>
           <a:prstGeom prst="rect">
             <a:avLst/>
@@ -2634,7 +2634,7 @@
           <a:bodyPr vert="horz" lIns="91440" tIns="45720" rIns="91440" bIns="45720" rtlCol="0" anchor="ctr"/>
           <a:lstStyle>
             <a:lvl1pPr algn="r">
-              <a:defRPr sz="560">
+              <a:defRPr sz="336">
                 <a:solidFill>
                   <a:schemeClr val="tx1">
                     <a:tint val="75000"/>
@@ -2655,27 +2655,27 @@
     </p:spTree>
     <p:extLst>
       <p:ext uri="{BB962C8B-B14F-4D97-AF65-F5344CB8AC3E}">
-        <p14:creationId xmlns:p14="http://schemas.microsoft.com/office/powerpoint/2010/main" val="4020124068"/>
+        <p14:creationId xmlns:p14="http://schemas.microsoft.com/office/powerpoint/2010/main" val="241470492"/>
       </p:ext>
     </p:extLst>
   </p:cSld>
   <p:clrMap bg1="lt1" tx1="dk1" bg2="lt2" tx2="dk2" accent1="accent1" accent2="accent2" accent3="accent3" accent4="accent4" accent5="accent5" accent6="accent6" hlink="hlink" folHlink="folHlink"/>
   <p:sldLayoutIdLst>
-    <p:sldLayoutId id="2147483721" r:id="rId1"/>
-    <p:sldLayoutId id="2147483722" r:id="rId2"/>
-    <p:sldLayoutId id="2147483723" r:id="rId3"/>
-    <p:sldLayoutId id="2147483724" r:id="rId4"/>
-    <p:sldLayoutId id="2147483725" r:id="rId5"/>
-    <p:sldLayoutId id="2147483726" r:id="rId6"/>
-    <p:sldLayoutId id="2147483727" r:id="rId7"/>
-    <p:sldLayoutId id="2147483728" r:id="rId8"/>
-    <p:sldLayoutId id="2147483729" r:id="rId9"/>
-    <p:sldLayoutId id="2147483730" r:id="rId10"/>
-    <p:sldLayoutId id="2147483731" r:id="rId11"/>
+    <p:sldLayoutId id="2147483757" r:id="rId1"/>
+    <p:sldLayoutId id="2147483758" r:id="rId2"/>
+    <p:sldLayoutId id="2147483759" r:id="rId3"/>
+    <p:sldLayoutId id="2147483760" r:id="rId4"/>
+    <p:sldLayoutId id="2147483761" r:id="rId5"/>
+    <p:sldLayoutId id="2147483762" r:id="rId6"/>
+    <p:sldLayoutId id="2147483763" r:id="rId7"/>
+    <p:sldLayoutId id="2147483764" r:id="rId8"/>
+    <p:sldLayoutId id="2147483765" r:id="rId9"/>
+    <p:sldLayoutId id="2147483766" r:id="rId10"/>
+    <p:sldLayoutId id="2147483767" r:id="rId11"/>
   </p:sldLayoutIdLst>
   <p:txStyles>
     <p:titleStyle>
-      <a:lvl1pPr algn="l" defTabSz="426750" rtl="0" eaLnBrk="1" latinLnBrk="0" hangingPunct="1">
+      <a:lvl1pPr algn="l" defTabSz="256123" rtl="0" eaLnBrk="1" latinLnBrk="0" hangingPunct="1">
         <a:lnSpc>
           <a:spcPct val="90000"/>
         </a:lnSpc>
@@ -2683,7 +2683,7 @@
           <a:spcPct val="0"/>
         </a:spcBef>
         <a:buNone/>
-        <a:defRPr sz="2053" kern="1200">
+        <a:defRPr sz="1232" kern="1200">
           <a:solidFill>
             <a:schemeClr val="tx1"/>
           </a:solidFill>
@@ -2694,16 +2694,16 @@
       </a:lvl1pPr>
     </p:titleStyle>
     <p:bodyStyle>
-      <a:lvl1pPr marL="106688" indent="-106688" algn="l" defTabSz="426750" rtl="0" eaLnBrk="1" latinLnBrk="0" hangingPunct="1">
+      <a:lvl1pPr marL="64031" indent="-64031" algn="l" defTabSz="256123" rtl="0" eaLnBrk="1" latinLnBrk="0" hangingPunct="1">
         <a:lnSpc>
           <a:spcPct val="90000"/>
         </a:lnSpc>
         <a:spcBef>
-          <a:spcPts val="467"/>
+          <a:spcPts val="280"/>
         </a:spcBef>
         <a:buFont typeface="Arial" panose="020B0604020202020204" pitchFamily="34" charset="0"/>
         <a:buChar char="•"/>
-        <a:defRPr sz="1307" kern="1200">
+        <a:defRPr sz="784" kern="1200">
           <a:solidFill>
             <a:schemeClr val="tx1"/>
           </a:solidFill>
@@ -2712,16 +2712,16 @@
           <a:cs typeface="+mn-cs"/>
         </a:defRPr>
       </a:lvl1pPr>
-      <a:lvl2pPr marL="320063" indent="-106688" algn="l" defTabSz="426750" rtl="0" eaLnBrk="1" latinLnBrk="0" hangingPunct="1">
+      <a:lvl2pPr marL="192093" indent="-64031" algn="l" defTabSz="256123" rtl="0" eaLnBrk="1" latinLnBrk="0" hangingPunct="1">
         <a:lnSpc>
           <a:spcPct val="90000"/>
         </a:lnSpc>
         <a:spcBef>
-          <a:spcPts val="233"/>
+          <a:spcPts val="140"/>
         </a:spcBef>
         <a:buFont typeface="Arial" panose="020B0604020202020204" pitchFamily="34" charset="0"/>
         <a:buChar char="•"/>
-        <a:defRPr sz="1120" kern="1200">
+        <a:defRPr sz="672" kern="1200">
           <a:solidFill>
             <a:schemeClr val="tx1"/>
           </a:solidFill>
@@ -2730,16 +2730,16 @@
           <a:cs typeface="+mn-cs"/>
         </a:defRPr>
       </a:lvl2pPr>
-      <a:lvl3pPr marL="533438" indent="-106688" algn="l" defTabSz="426750" rtl="0" eaLnBrk="1" latinLnBrk="0" hangingPunct="1">
+      <a:lvl3pPr marL="320154" indent="-64031" algn="l" defTabSz="256123" rtl="0" eaLnBrk="1" latinLnBrk="0" hangingPunct="1">
         <a:lnSpc>
           <a:spcPct val="90000"/>
         </a:lnSpc>
         <a:spcBef>
-          <a:spcPts val="233"/>
+          <a:spcPts val="140"/>
         </a:spcBef>
         <a:buFont typeface="Arial" panose="020B0604020202020204" pitchFamily="34" charset="0"/>
         <a:buChar char="•"/>
-        <a:defRPr sz="933" kern="1200">
+        <a:defRPr sz="560" kern="1200">
           <a:solidFill>
             <a:schemeClr val="tx1"/>
           </a:solidFill>
@@ -2748,16 +2748,16 @@
           <a:cs typeface="+mn-cs"/>
         </a:defRPr>
       </a:lvl3pPr>
-      <a:lvl4pPr marL="746813" indent="-106688" algn="l" defTabSz="426750" rtl="0" eaLnBrk="1" latinLnBrk="0" hangingPunct="1">
+      <a:lvl4pPr marL="448216" indent="-64031" algn="l" defTabSz="256123" rtl="0" eaLnBrk="1" latinLnBrk="0" hangingPunct="1">
         <a:lnSpc>
           <a:spcPct val="90000"/>
         </a:lnSpc>
         <a:spcBef>
-          <a:spcPts val="233"/>
+          <a:spcPts val="140"/>
         </a:spcBef>
         <a:buFont typeface="Arial" panose="020B0604020202020204" pitchFamily="34" charset="0"/>
         <a:buChar char="•"/>
-        <a:defRPr sz="840" kern="1200">
+        <a:defRPr sz="504" kern="1200">
           <a:solidFill>
             <a:schemeClr val="tx1"/>
           </a:solidFill>
@@ -2766,16 +2766,16 @@
           <a:cs typeface="+mn-cs"/>
         </a:defRPr>
       </a:lvl4pPr>
-      <a:lvl5pPr marL="960189" indent="-106688" algn="l" defTabSz="426750" rtl="0" eaLnBrk="1" latinLnBrk="0" hangingPunct="1">
+      <a:lvl5pPr marL="576278" indent="-64031" algn="l" defTabSz="256123" rtl="0" eaLnBrk="1" latinLnBrk="0" hangingPunct="1">
         <a:lnSpc>
           <a:spcPct val="90000"/>
         </a:lnSpc>
         <a:spcBef>
-          <a:spcPts val="233"/>
+          <a:spcPts val="140"/>
         </a:spcBef>
         <a:buFont typeface="Arial" panose="020B0604020202020204" pitchFamily="34" charset="0"/>
         <a:buChar char="•"/>
-        <a:defRPr sz="840" kern="1200">
+        <a:defRPr sz="504" kern="1200">
           <a:solidFill>
             <a:schemeClr val="tx1"/>
           </a:solidFill>
@@ -2784,16 +2784,16 @@
           <a:cs typeface="+mn-cs"/>
         </a:defRPr>
       </a:lvl5pPr>
-      <a:lvl6pPr marL="1173564" indent="-106688" algn="l" defTabSz="426750" rtl="0" eaLnBrk="1" latinLnBrk="0" hangingPunct="1">
+      <a:lvl6pPr marL="704339" indent="-64031" algn="l" defTabSz="256123" rtl="0" eaLnBrk="1" latinLnBrk="0" hangingPunct="1">
         <a:lnSpc>
           <a:spcPct val="90000"/>
         </a:lnSpc>
         <a:spcBef>
-          <a:spcPts val="233"/>
+          <a:spcPts val="140"/>
         </a:spcBef>
         <a:buFont typeface="Arial" panose="020B0604020202020204" pitchFamily="34" charset="0"/>
         <a:buChar char="•"/>
-        <a:defRPr sz="840" kern="1200">
+        <a:defRPr sz="504" kern="1200">
           <a:solidFill>
             <a:schemeClr val="tx1"/>
           </a:solidFill>
@@ -2802,16 +2802,16 @@
           <a:cs typeface="+mn-cs"/>
         </a:defRPr>
       </a:lvl6pPr>
-      <a:lvl7pPr marL="1386939" indent="-106688" algn="l" defTabSz="426750" rtl="0" eaLnBrk="1" latinLnBrk="0" hangingPunct="1">
+      <a:lvl7pPr marL="832401" indent="-64031" algn="l" defTabSz="256123" rtl="0" eaLnBrk="1" latinLnBrk="0" hangingPunct="1">
         <a:lnSpc>
           <a:spcPct val="90000"/>
         </a:lnSpc>
         <a:spcBef>
-          <a:spcPts val="233"/>
+          <a:spcPts val="140"/>
         </a:spcBef>
         <a:buFont typeface="Arial" panose="020B0604020202020204" pitchFamily="34" charset="0"/>
         <a:buChar char="•"/>
-        <a:defRPr sz="840" kern="1200">
+        <a:defRPr sz="504" kern="1200">
           <a:solidFill>
             <a:schemeClr val="tx1"/>
           </a:solidFill>
@@ -2820,16 +2820,16 @@
           <a:cs typeface="+mn-cs"/>
         </a:defRPr>
       </a:lvl7pPr>
-      <a:lvl8pPr marL="1600314" indent="-106688" algn="l" defTabSz="426750" rtl="0" eaLnBrk="1" latinLnBrk="0" hangingPunct="1">
+      <a:lvl8pPr marL="960463" indent="-64031" algn="l" defTabSz="256123" rtl="0" eaLnBrk="1" latinLnBrk="0" hangingPunct="1">
         <a:lnSpc>
           <a:spcPct val="90000"/>
         </a:lnSpc>
         <a:spcBef>
-          <a:spcPts val="233"/>
+          <a:spcPts val="140"/>
         </a:spcBef>
         <a:buFont typeface="Arial" panose="020B0604020202020204" pitchFamily="34" charset="0"/>
         <a:buChar char="•"/>
-        <a:defRPr sz="840" kern="1200">
+        <a:defRPr sz="504" kern="1200">
           <a:solidFill>
             <a:schemeClr val="tx1"/>
           </a:solidFill>
@@ -2838,16 +2838,16 @@
           <a:cs typeface="+mn-cs"/>
         </a:defRPr>
       </a:lvl8pPr>
-      <a:lvl9pPr marL="1813690" indent="-106688" algn="l" defTabSz="426750" rtl="0" eaLnBrk="1" latinLnBrk="0" hangingPunct="1">
+      <a:lvl9pPr marL="1088525" indent="-64031" algn="l" defTabSz="256123" rtl="0" eaLnBrk="1" latinLnBrk="0" hangingPunct="1">
         <a:lnSpc>
           <a:spcPct val="90000"/>
         </a:lnSpc>
         <a:spcBef>
-          <a:spcPts val="233"/>
+          <a:spcPts val="140"/>
         </a:spcBef>
         <a:buFont typeface="Arial" panose="020B0604020202020204" pitchFamily="34" charset="0"/>
         <a:buChar char="•"/>
-        <a:defRPr sz="840" kern="1200">
+        <a:defRPr sz="504" kern="1200">
           <a:solidFill>
             <a:schemeClr val="tx1"/>
           </a:solidFill>
@@ -2861,8 +2861,8 @@
       <a:defPPr>
         <a:defRPr lang="en-US"/>
       </a:defPPr>
-      <a:lvl1pPr marL="0" algn="l" defTabSz="426750" rtl="0" eaLnBrk="1" latinLnBrk="0" hangingPunct="1">
-        <a:defRPr sz="840" kern="1200">
+      <a:lvl1pPr marL="0" algn="l" defTabSz="256123" rtl="0" eaLnBrk="1" latinLnBrk="0" hangingPunct="1">
+        <a:defRPr sz="504" kern="1200">
           <a:solidFill>
             <a:schemeClr val="tx1"/>
           </a:solidFill>
@@ -2871,8 +2871,8 @@
           <a:cs typeface="+mn-cs"/>
         </a:defRPr>
       </a:lvl1pPr>
-      <a:lvl2pPr marL="213375" algn="l" defTabSz="426750" rtl="0" eaLnBrk="1" latinLnBrk="0" hangingPunct="1">
-        <a:defRPr sz="840" kern="1200">
+      <a:lvl2pPr marL="128062" algn="l" defTabSz="256123" rtl="0" eaLnBrk="1" latinLnBrk="0" hangingPunct="1">
+        <a:defRPr sz="504" kern="1200">
           <a:solidFill>
             <a:schemeClr val="tx1"/>
           </a:solidFill>
@@ -2881,8 +2881,8 @@
           <a:cs typeface="+mn-cs"/>
         </a:defRPr>
       </a:lvl2pPr>
-      <a:lvl3pPr marL="426750" algn="l" defTabSz="426750" rtl="0" eaLnBrk="1" latinLnBrk="0" hangingPunct="1">
-        <a:defRPr sz="840" kern="1200">
+      <a:lvl3pPr marL="256123" algn="l" defTabSz="256123" rtl="0" eaLnBrk="1" latinLnBrk="0" hangingPunct="1">
+        <a:defRPr sz="504" kern="1200">
           <a:solidFill>
             <a:schemeClr val="tx1"/>
           </a:solidFill>
@@ -2891,8 +2891,8 @@
           <a:cs typeface="+mn-cs"/>
         </a:defRPr>
       </a:lvl3pPr>
-      <a:lvl4pPr marL="640126" algn="l" defTabSz="426750" rtl="0" eaLnBrk="1" latinLnBrk="0" hangingPunct="1">
-        <a:defRPr sz="840" kern="1200">
+      <a:lvl4pPr marL="384185" algn="l" defTabSz="256123" rtl="0" eaLnBrk="1" latinLnBrk="0" hangingPunct="1">
+        <a:defRPr sz="504" kern="1200">
           <a:solidFill>
             <a:schemeClr val="tx1"/>
           </a:solidFill>
@@ -2901,8 +2901,8 @@
           <a:cs typeface="+mn-cs"/>
         </a:defRPr>
       </a:lvl4pPr>
-      <a:lvl5pPr marL="853501" algn="l" defTabSz="426750" rtl="0" eaLnBrk="1" latinLnBrk="0" hangingPunct="1">
-        <a:defRPr sz="840" kern="1200">
+      <a:lvl5pPr marL="512247" algn="l" defTabSz="256123" rtl="0" eaLnBrk="1" latinLnBrk="0" hangingPunct="1">
+        <a:defRPr sz="504" kern="1200">
           <a:solidFill>
             <a:schemeClr val="tx1"/>
           </a:solidFill>
@@ -2911,8 +2911,8 @@
           <a:cs typeface="+mn-cs"/>
         </a:defRPr>
       </a:lvl5pPr>
-      <a:lvl6pPr marL="1066876" algn="l" defTabSz="426750" rtl="0" eaLnBrk="1" latinLnBrk="0" hangingPunct="1">
-        <a:defRPr sz="840" kern="1200">
+      <a:lvl6pPr marL="640309" algn="l" defTabSz="256123" rtl="0" eaLnBrk="1" latinLnBrk="0" hangingPunct="1">
+        <a:defRPr sz="504" kern="1200">
           <a:solidFill>
             <a:schemeClr val="tx1"/>
           </a:solidFill>
@@ -2921,8 +2921,8 @@
           <a:cs typeface="+mn-cs"/>
         </a:defRPr>
       </a:lvl6pPr>
-      <a:lvl7pPr marL="1280251" algn="l" defTabSz="426750" rtl="0" eaLnBrk="1" latinLnBrk="0" hangingPunct="1">
-        <a:defRPr sz="840" kern="1200">
+      <a:lvl7pPr marL="768370" algn="l" defTabSz="256123" rtl="0" eaLnBrk="1" latinLnBrk="0" hangingPunct="1">
+        <a:defRPr sz="504" kern="1200">
           <a:solidFill>
             <a:schemeClr val="tx1"/>
           </a:solidFill>
@@ -2931,8 +2931,8 @@
           <a:cs typeface="+mn-cs"/>
         </a:defRPr>
       </a:lvl7pPr>
-      <a:lvl8pPr marL="1493627" algn="l" defTabSz="426750" rtl="0" eaLnBrk="1" latinLnBrk="0" hangingPunct="1">
-        <a:defRPr sz="840" kern="1200">
+      <a:lvl8pPr marL="896432" algn="l" defTabSz="256123" rtl="0" eaLnBrk="1" latinLnBrk="0" hangingPunct="1">
+        <a:defRPr sz="504" kern="1200">
           <a:solidFill>
             <a:schemeClr val="tx1"/>
           </a:solidFill>
@@ -2941,8 +2941,8 @@
           <a:cs typeface="+mn-cs"/>
         </a:defRPr>
       </a:lvl8pPr>
-      <a:lvl9pPr marL="1707002" algn="l" defTabSz="426750" rtl="0" eaLnBrk="1" latinLnBrk="0" hangingPunct="1">
-        <a:defRPr sz="840" kern="1200">
+      <a:lvl9pPr marL="1024494" algn="l" defTabSz="256123" rtl="0" eaLnBrk="1" latinLnBrk="0" hangingPunct="1">
+        <a:defRPr sz="504" kern="1200">
           <a:solidFill>
             <a:schemeClr val="tx1"/>
           </a:solidFill>
@@ -2975,10 +2975,10 @@
       </p:grpSpPr>
       <p:pic>
         <p:nvPicPr>
-          <p:cNvPr id="3" name="Picture 2" descr="A close up of a logo&#10;&#10;Description automatically generated">
+          <p:cNvPr id="6" name="Picture 5" descr="A close up of a logo&#10;&#10;Description automatically generated">
             <a:extLst>
               <a:ext uri="{FF2B5EF4-FFF2-40B4-BE49-F238E27FC236}">
-                <a16:creationId xmlns:a16="http://schemas.microsoft.com/office/drawing/2014/main" id="{4FE9A355-349D-437E-BBD2-5F92E1032EAB}"/>
+                <a16:creationId xmlns:a16="http://schemas.microsoft.com/office/drawing/2014/main" id="{E6C9DEF2-D681-45E2-813F-BA4828FDD9B7}"/>
               </a:ext>
             </a:extLst>
           </p:cNvPr>
@@ -3000,7 +3000,7 @@
         </p:blipFill>
         <p:spPr>
           <a:xfrm>
-            <a:off x="914230" y="438912"/>
+            <a:off x="0" y="0"/>
             <a:ext cx="10698502" cy="1893824"/>
           </a:xfrm>
           <a:prstGeom prst="rect">
